--- a/docs/软件工程实践.pptx
+++ b/docs/软件工程实践.pptx
@@ -18,7 +18,6 @@
     <p:sldId id="267" r:id="rId12"/>
     <p:sldId id="268" r:id="rId13"/>
     <p:sldId id="265" r:id="rId14"/>
-    <p:sldId id="269" r:id="rId15"/>
   </p:sldIdLst>
   <p:sldSz cx="12192000" cy="6858000"/>
   <p:notesSz cx="6858000" cy="9144000"/>
@@ -3866,7 +3865,7 @@
         </p:nvSpPr>
         <p:spPr>
           <a:xfrm>
-            <a:off x="0" y="0"/>
+            <a:off x="2743200" y="476864"/>
             <a:ext cx="6096000" cy="521970"/>
           </a:xfrm>
           <a:prstGeom prst="rect">
@@ -3897,8 +3896,8 @@
         </p:nvSpPr>
         <p:spPr>
           <a:xfrm>
-            <a:off x="0" y="628650"/>
-            <a:ext cx="10953750" cy="5354320"/>
+            <a:off x="698089" y="1400482"/>
+            <a:ext cx="11547987" cy="4847481"/>
           </a:xfrm>
           <a:prstGeom prst="rect">
             <a:avLst/>
@@ -3917,7 +3916,7 @@
               </a:lnSpc>
             </a:pPr>
             <a:r>
-              <a:rPr lang="zh-CN" altLang="en-US" b="1">
+              <a:rPr lang="zh-CN" altLang="en-US" b="1" dirty="0">
                 <a:solidFill>
                   <a:schemeClr val="tx1"/>
                 </a:solidFill>
@@ -3925,7 +3924,7 @@
               <a:t>丁炜宸</a:t>
             </a:r>
             <a:r>
-              <a:rPr lang="en-US" altLang="zh-CN">
+              <a:rPr lang="en-US" altLang="zh-CN" dirty="0">
                 <a:solidFill>
                   <a:schemeClr val="tx1"/>
                 </a:solidFill>
@@ -3946,7 +3945,7 @@
                 </a:solidFill>
                 <a:sym typeface="+mn-ea"/>
               </a:rPr>
-              <a:t>项目开发与规划专员</a:t>
+              <a:t>前端，</a:t>
             </a:r>
             <a:r>
               <a:rPr lang="en-US" altLang="zh-CN" dirty="0">
@@ -3955,7 +3954,22 @@
                 </a:solidFill>
                 <a:sym typeface="+mn-ea"/>
               </a:rPr>
-              <a:t>:</a:t>
+              <a:t>HTML</a:t>
+            </a:r>
+            <a:r>
+              <a:rPr lang="zh-CN" altLang="en-US" dirty="0">
+                <a:sym typeface="+mn-ea"/>
+              </a:rPr>
+              <a:t>开发，技术架构师；</a:t>
+            </a:r>
+            <a:r>
+              <a:rPr lang="zh-CN" altLang="en-US" dirty="0">
+                <a:solidFill>
+                  <a:schemeClr val="tx1"/>
+                </a:solidFill>
+                <a:sym typeface="+mn-ea"/>
+              </a:rPr>
+              <a:t>产品经理：</a:t>
             </a:r>
             <a:r>
               <a:rPr lang="zh-CN" altLang="en-US" dirty="0">
@@ -4021,7 +4035,7 @@
                 </a:solidFill>
                 <a:sym typeface="+mn-ea"/>
               </a:rPr>
-              <a:t>技术架构师</a:t>
+              <a:t>后端开发（数据库）</a:t>
             </a:r>
             <a:r>
               <a:rPr lang="en-US" altLang="zh-CN" dirty="0">
@@ -4041,53 +4055,9 @@
                 <a:latin typeface="Abadi" panose="020B0604020104020204" pitchFamily="34" charset="0"/>
                 <a:sym typeface="+mn-ea"/>
               </a:rPr>
-              <a:t>设计整体技术架构</a:t>
-            </a:r>
-            <a:r>
-              <a:rPr lang="en-US" altLang="zh-CN" dirty="0">
-                <a:solidFill>
-                  <a:schemeClr val="tx1"/>
-                </a:solidFill>
-                <a:effectLst/>
-                <a:latin typeface="Abadi" panose="020B0604020104020204" pitchFamily="34" charset="0"/>
-                <a:sym typeface="+mn-ea"/>
-              </a:rPr>
-              <a:t>,</a:t>
-            </a:r>
-            <a:r>
-              <a:rPr lang="zh-CN" altLang="en-US" dirty="0">
-                <a:solidFill>
-                  <a:schemeClr val="tx1"/>
-                </a:solidFill>
-                <a:effectLst/>
-                <a:latin typeface="Abadi" panose="020B0604020104020204" pitchFamily="34" charset="0"/>
-                <a:sym typeface="+mn-ea"/>
-              </a:rPr>
-              <a:t>主导企业级技术选型与安全方案</a:t>
-            </a:r>
-            <a:r>
-              <a:rPr lang="en-US" altLang="zh-CN" dirty="0">
-                <a:solidFill>
-                  <a:schemeClr val="tx1"/>
-                </a:solidFill>
-                <a:effectLst/>
-                <a:latin typeface="Abadi" panose="020B0604020104020204" pitchFamily="34" charset="0"/>
-                <a:sym typeface="+mn-ea"/>
-              </a:rPr>
-              <a:t>,</a:t>
-            </a:r>
-            <a:r>
-              <a:rPr lang="zh-CN" altLang="en-US" dirty="0">
-                <a:solidFill>
-                  <a:schemeClr val="tx1"/>
-                </a:solidFill>
-                <a:effectLst/>
-                <a:latin typeface="Abadi" panose="020B0604020104020204" pitchFamily="34" charset="0"/>
-                <a:sym typeface="+mn-ea"/>
-              </a:rPr>
-              <a:t>协调并保障系统可扩展性与稳定性。</a:t>
-            </a:r>
-            <a:endParaRPr lang="zh-CN" altLang="en-US" i="0" dirty="0">
+              <a:t>数据库原型设计</a:t>
+            </a:r>
+            <a:endParaRPr lang="en-US" altLang="zh-CN" dirty="0">
               <a:solidFill>
                 <a:schemeClr val="tx1"/>
               </a:solidFill>
@@ -4134,12 +4104,18 @@
             </a:pPr>
             <a:r>
               <a:rPr lang="zh-CN" altLang="en-US" dirty="0">
+                <a:sym typeface="+mn-ea"/>
+              </a:rPr>
+              <a:t>后端</a:t>
+            </a:r>
+            <a:r>
+              <a:rPr lang="zh-CN" altLang="en-US" dirty="0">
                 <a:solidFill>
                   <a:schemeClr val="tx1"/>
                 </a:solidFill>
                 <a:sym typeface="+mn-ea"/>
               </a:rPr>
-              <a:t>前端开发工程师</a:t>
+              <a:t>开发（鉴权认证）</a:t>
             </a:r>
             <a:r>
               <a:rPr lang="en-US" altLang="zh-CN" dirty="0">
@@ -4157,8 +4133,14 @@
                 </a:solidFill>
                 <a:sym typeface="+mn-ea"/>
               </a:rPr>
-              <a:t>负责用户界面开发与交互实现，集成数字人视频组件，优化前端性能与用户体验</a:t>
-            </a:r>
+              <a:t>用户登录鉴权认证设计，装饰器设计</a:t>
+            </a:r>
+            <a:endParaRPr lang="en-US" altLang="zh-CN" dirty="0">
+              <a:solidFill>
+                <a:schemeClr val="tx1"/>
+              </a:solidFill>
+              <a:sym typeface="+mn-ea"/>
+            </a:endParaRPr>
           </a:p>
           <a:p>
             <a:pPr algn="l">
@@ -4200,7 +4182,7 @@
                 </a:solidFill>
                 <a:sym typeface="+mn-ea"/>
               </a:rPr>
-              <a:t>后端开发工程师</a:t>
+              <a:t>后端开发（路由）</a:t>
             </a:r>
             <a:r>
               <a:rPr lang="en-US" altLang="zh-CN" dirty="0">
@@ -4217,50 +4199,8 @@
                   <a:schemeClr val="tx1"/>
                 </a:solidFill>
               </a:rPr>
-              <a:t>构建微服务架构与</a:t>
-            </a:r>
-            <a:r>
-              <a:rPr lang="en-US" altLang="zh-CN" dirty="0">
-                <a:solidFill>
-                  <a:schemeClr val="tx1"/>
-                </a:solidFill>
-              </a:rPr>
-              <a:t>API</a:t>
-            </a:r>
-            <a:r>
-              <a:rPr lang="zh-CN" altLang="en-US" dirty="0">
-                <a:solidFill>
-                  <a:schemeClr val="tx1"/>
-                </a:solidFill>
-              </a:rPr>
-              <a:t>接口，实现</a:t>
-            </a:r>
-            <a:r>
-              <a:rPr lang="en-US" altLang="zh-CN" dirty="0">
-                <a:solidFill>
-                  <a:schemeClr val="tx1"/>
-                </a:solidFill>
-              </a:rPr>
-              <a:t>AI</a:t>
-            </a:r>
-            <a:r>
-              <a:rPr lang="zh-CN" altLang="en-US" dirty="0">
-                <a:solidFill>
-                  <a:schemeClr val="tx1"/>
-                </a:solidFill>
-              </a:rPr>
-              <a:t>能力集成与大模型调度，保障系统高并发与数据安全</a:t>
-            </a:r>
-          </a:p>
-          <a:p>
-            <a:pPr algn="l">
-              <a:spcBef>
-                <a:spcPts val="900"/>
-              </a:spcBef>
-              <a:spcAft>
-                <a:spcPts val="900"/>
-              </a:spcAft>
-            </a:pPr>
+              <a:t>交互路由设计</a:t>
+            </a:r>
             <a:endParaRPr lang="zh-CN" altLang="en-US" b="0" i="0" dirty="0">
               <a:solidFill>
                 <a:schemeClr val="tx1"/>
@@ -4287,258 +4227,17 @@
             </a:endParaRPr>
           </a:p>
           <a:p>
-            <a:endParaRPr lang="zh-CN" altLang="en-US">
+            <a:endParaRPr lang="zh-CN" altLang="en-US" dirty="0">
               <a:solidFill>
                 <a:schemeClr val="tx1"/>
               </a:solidFill>
             </a:endParaRPr>
           </a:p>
           <a:p>
-            <a:endParaRPr lang="zh-CN" altLang="en-US">
+            <a:endParaRPr lang="zh-CN" altLang="en-US" dirty="0">
               <a:solidFill>
                 <a:schemeClr val="tx1"/>
               </a:solidFill>
-            </a:endParaRPr>
-          </a:p>
-        </p:txBody>
-      </p:sp>
-    </p:spTree>
-    <p:custDataLst>
-      <p:tags r:id="rId1"/>
-    </p:custDataLst>
-  </p:cSld>
-  <p:clrMapOvr>
-    <a:masterClrMapping/>
-  </p:clrMapOvr>
-</p:sld>
-</file>
-
-<file path=ppt/slides/slide14.xml><?xml version="1.0" encoding="utf-8"?>
-<p:sld xmlns:a="http://schemas.openxmlformats.org/drawingml/2006/main" xmlns:r="http://schemas.openxmlformats.org/officeDocument/2006/relationships" xmlns:p="http://schemas.openxmlformats.org/presentationml/2006/main">
-  <p:cSld>
-    <p:spTree>
-      <p:nvGrpSpPr>
-        <p:cNvPr id="1" name=""/>
-        <p:cNvGrpSpPr/>
-        <p:nvPr/>
-      </p:nvGrpSpPr>
-      <p:grpSpPr>
-        <a:xfrm>
-          <a:off x="0" y="0"/>
-          <a:ext cx="0" cy="0"/>
-          <a:chOff x="0" y="0"/>
-          <a:chExt cx="0" cy="0"/>
-        </a:xfrm>
-      </p:grpSpPr>
-      <p:sp>
-        <p:nvSpPr>
-          <p:cNvPr id="4" name="文本框 3"/>
-          <p:cNvSpPr txBox="1"/>
-          <p:nvPr/>
-        </p:nvSpPr>
-        <p:spPr>
-          <a:xfrm>
-            <a:off x="0" y="124460"/>
-            <a:ext cx="5718175" cy="521970"/>
-          </a:xfrm>
-          <a:prstGeom prst="rect">
-            <a:avLst/>
-          </a:prstGeom>
-          <a:noFill/>
-        </p:spPr>
-        <p:txBody>
-          <a:bodyPr wrap="square" rtlCol="0">
-            <a:spAutoFit/>
-          </a:bodyPr>
-          <a:lstStyle/>
-          <a:p>
-            <a:r>
-              <a:rPr lang="zh-CN" altLang="en-US" sz="2800"/>
-              <a:t>各成员任务计划及完成情况</a:t>
-            </a:r>
-          </a:p>
-        </p:txBody>
-      </p:sp>
-      <p:sp>
-        <p:nvSpPr>
-          <p:cNvPr id="5" name="文本框 4"/>
-          <p:cNvSpPr txBox="1"/>
-          <p:nvPr/>
-        </p:nvSpPr>
-        <p:spPr>
-          <a:xfrm>
-            <a:off x="137160" y="730885"/>
-            <a:ext cx="9836785" cy="3115310"/>
-          </a:xfrm>
-          <a:prstGeom prst="rect">
-            <a:avLst/>
-          </a:prstGeom>
-          <a:noFill/>
-        </p:spPr>
-        <p:txBody>
-          <a:bodyPr wrap="square" rtlCol="0" anchor="t">
-            <a:spAutoFit/>
-          </a:bodyPr>
-          <a:lstStyle/>
-          <a:p>
-            <a:pPr>
-              <a:lnSpc>
-                <a:spcPct val="100000"/>
-              </a:lnSpc>
-              <a:spcBef>
-                <a:spcPts val="0"/>
-              </a:spcBef>
-              <a:spcAft>
-                <a:spcPts val="0"/>
-              </a:spcAft>
-            </a:pPr>
-            <a:r>
-              <a:rPr lang="zh-CN" altLang="en-US" b="1">
-                <a:sym typeface="+mn-ea"/>
-              </a:rPr>
-              <a:t>丁炜宸</a:t>
-            </a:r>
-          </a:p>
-          <a:p>
-            <a:pPr>
-              <a:lnSpc>
-                <a:spcPct val="100000"/>
-              </a:lnSpc>
-              <a:spcBef>
-                <a:spcPts val="0"/>
-              </a:spcBef>
-              <a:spcAft>
-                <a:spcPts val="0"/>
-              </a:spcAft>
-            </a:pPr>
-            <a:r>
-              <a:rPr lang="en-US" altLang="zh-CN">
-                <a:sym typeface="+mn-ea"/>
-              </a:rPr>
-              <a:t> </a:t>
-            </a:r>
-            <a:endParaRPr lang="en-US" altLang="zh-CN">
-              <a:solidFill>
-                <a:schemeClr val="tx1"/>
-              </a:solidFill>
-            </a:endParaRPr>
-          </a:p>
-          <a:p>
-            <a:pPr>
-              <a:lnSpc>
-                <a:spcPct val="100000"/>
-              </a:lnSpc>
-              <a:spcBef>
-                <a:spcPts val="0"/>
-              </a:spcBef>
-              <a:spcAft>
-                <a:spcPts val="0"/>
-              </a:spcAft>
-            </a:pPr>
-            <a:r>
-              <a:rPr lang="zh-CN" altLang="en-US" b="1" dirty="0">
-                <a:effectLst/>
-                <a:latin typeface="Abadi" panose="020B0604020104020204" pitchFamily="34" charset="0"/>
-                <a:sym typeface="+mn-ea"/>
-              </a:rPr>
-              <a:t>吴育金</a:t>
-            </a:r>
-          </a:p>
-          <a:p>
-            <a:pPr>
-              <a:lnSpc>
-                <a:spcPct val="100000"/>
-              </a:lnSpc>
-            </a:pPr>
-            <a:endParaRPr lang="zh-CN" altLang="en-US" b="1" dirty="0">
-              <a:solidFill>
-                <a:schemeClr val="tx1"/>
-              </a:solidFill>
-              <a:effectLst/>
-              <a:latin typeface="Abadi" panose="020B0604020104020204" pitchFamily="34" charset="0"/>
-              <a:sym typeface="+mn-ea"/>
-            </a:endParaRPr>
-          </a:p>
-          <a:p>
-            <a:pPr algn="l">
-              <a:lnSpc>
-                <a:spcPct val="100000"/>
-              </a:lnSpc>
-              <a:spcBef>
-                <a:spcPts val="900"/>
-              </a:spcBef>
-              <a:spcAft>
-                <a:spcPts val="900"/>
-              </a:spcAft>
-            </a:pPr>
-            <a:r>
-              <a:rPr lang="zh-CN" altLang="en-US" b="1" dirty="0">
-                <a:effectLst/>
-                <a:latin typeface="Abadi" panose="020B0604020104020204" pitchFamily="34" charset="0"/>
-                <a:sym typeface="+mn-ea"/>
-              </a:rPr>
-              <a:t>王宇涵</a:t>
-            </a:r>
-          </a:p>
-          <a:p>
-            <a:pPr algn="l">
-              <a:lnSpc>
-                <a:spcPct val="100000"/>
-              </a:lnSpc>
-              <a:spcBef>
-                <a:spcPts val="900"/>
-              </a:spcBef>
-              <a:spcAft>
-                <a:spcPts val="900"/>
-              </a:spcAft>
-            </a:pPr>
-            <a:endParaRPr lang="zh-CN" altLang="en-US" b="1" dirty="0">
-              <a:solidFill>
-                <a:schemeClr val="tx1"/>
-              </a:solidFill>
-              <a:effectLst/>
-              <a:latin typeface="Abadi" panose="020B0604020104020204" pitchFamily="34" charset="0"/>
-              <a:sym typeface="+mn-ea"/>
-            </a:endParaRPr>
-          </a:p>
-          <a:p>
-            <a:pPr algn="l">
-              <a:lnSpc>
-                <a:spcPct val="100000"/>
-              </a:lnSpc>
-              <a:spcBef>
-                <a:spcPts val="900"/>
-              </a:spcBef>
-              <a:spcAft>
-                <a:spcPts val="900"/>
-              </a:spcAft>
-            </a:pPr>
-            <a:r>
-              <a:rPr lang="zh-CN" altLang="en-US" b="1" dirty="0">
-                <a:sym typeface="+mn-ea"/>
-              </a:rPr>
-              <a:t>吴沈炜</a:t>
-            </a:r>
-            <a:endParaRPr lang="zh-CN" altLang="en-US" b="1" dirty="0">
-              <a:solidFill>
-                <a:schemeClr val="tx1"/>
-              </a:solidFill>
-            </a:endParaRPr>
-          </a:p>
-          <a:p>
-            <a:pPr algn="l">
-              <a:lnSpc>
-                <a:spcPct val="100000"/>
-              </a:lnSpc>
-              <a:spcBef>
-                <a:spcPts val="900"/>
-              </a:spcBef>
-              <a:spcAft>
-                <a:spcPts val="900"/>
-              </a:spcAft>
-            </a:pPr>
-            <a:endParaRPr lang="zh-CN" altLang="en-US" dirty="0">
-              <a:sym typeface="+mn-ea"/>
             </a:endParaRPr>
           </a:p>
         </p:txBody>
@@ -4587,7 +4286,7 @@
         </p:blipFill>
         <p:spPr>
           <a:xfrm>
-            <a:off x="-48895" y="76200"/>
+            <a:off x="501711" y="1010265"/>
             <a:ext cx="6232525" cy="2669540"/>
           </a:xfrm>
           <a:prstGeom prst="rect">
@@ -4611,7 +4310,7 @@
         </p:blipFill>
         <p:spPr>
           <a:xfrm>
-            <a:off x="0" y="2745740"/>
+            <a:off x="315093" y="3935444"/>
             <a:ext cx="6584315" cy="1364615"/>
           </a:xfrm>
           <a:prstGeom prst="rect">
@@ -4635,7 +4334,7 @@
         </p:blipFill>
         <p:spPr>
           <a:xfrm>
-            <a:off x="98425" y="4259580"/>
+            <a:off x="6823690" y="2214471"/>
             <a:ext cx="5308600" cy="2349500"/>
           </a:xfrm>
           <a:prstGeom prst="rect">
@@ -4643,47 +4342,6 @@
           </a:prstGeom>
         </p:spPr>
       </p:pic>
-      <p:sp>
-        <p:nvSpPr>
-          <p:cNvPr id="8" name="文本框 7"/>
-          <p:cNvSpPr txBox="1"/>
-          <p:nvPr/>
-        </p:nvSpPr>
-        <p:spPr>
-          <a:xfrm>
-            <a:off x="6731000" y="948055"/>
-            <a:ext cx="4064000" cy="368300"/>
-          </a:xfrm>
-          <a:prstGeom prst="rect">
-            <a:avLst/>
-          </a:prstGeom>
-          <a:noFill/>
-        </p:spPr>
-        <p:txBody>
-          <a:bodyPr wrap="square" rtlCol="0">
-            <a:spAutoFit/>
-          </a:bodyPr>
-          <a:lstStyle/>
-          <a:p>
-            <a:r>
-              <a:rPr lang="zh-CN" altLang="en-US"/>
-              <a:t>计划时间</a:t>
-            </a:r>
-            <a:r>
-              <a:rPr lang="en-US" altLang="zh-CN"/>
-              <a:t>: 9.18-10.9          </a:t>
-            </a:r>
-            <a:r>
-              <a:rPr lang="zh-CN" altLang="en-US"/>
-              <a:t>进度</a:t>
-            </a:r>
-            <a:r>
-              <a:rPr lang="en-US" altLang="zh-CN"/>
-              <a:t>: %</a:t>
-            </a:r>
-          </a:p>
-        </p:txBody>
-      </p:sp>
     </p:spTree>
     <p:custDataLst>
       <p:tags r:id="rId1"/>
@@ -4728,7 +4386,7 @@
         </p:blipFill>
         <p:spPr>
           <a:xfrm>
-            <a:off x="-53975" y="113665"/>
+            <a:off x="885005" y="988736"/>
             <a:ext cx="10205720" cy="4397375"/>
           </a:xfrm>
           <a:prstGeom prst="rect">
@@ -4736,55 +4394,6 @@
           </a:prstGeom>
         </p:spPr>
       </p:pic>
-      <p:sp>
-        <p:nvSpPr>
-          <p:cNvPr id="5" name="文本框 4"/>
-          <p:cNvSpPr txBox="1"/>
-          <p:nvPr/>
-        </p:nvSpPr>
-        <p:spPr>
-          <a:xfrm>
-            <a:off x="1010285" y="4699635"/>
-            <a:ext cx="6096000" cy="368300"/>
-          </a:xfrm>
-          <a:prstGeom prst="rect">
-            <a:avLst/>
-          </a:prstGeom>
-          <a:noFill/>
-        </p:spPr>
-        <p:txBody>
-          <a:bodyPr wrap="square" rtlCol="0" anchor="t">
-            <a:spAutoFit/>
-          </a:bodyPr>
-          <a:lstStyle/>
-          <a:p>
-            <a:r>
-              <a:rPr lang="zh-CN" altLang="en-US">
-                <a:sym typeface="+mn-ea"/>
-              </a:rPr>
-              <a:t>计划时间</a:t>
-            </a:r>
-            <a:r>
-              <a:rPr lang="en-US" altLang="zh-CN">
-                <a:sym typeface="+mn-ea"/>
-              </a:rPr>
-              <a:t>:   </a:t>
-            </a:r>
-            <a:r>
-              <a:rPr lang="zh-CN" altLang="en-US">
-                <a:sym typeface="+mn-ea"/>
-              </a:rPr>
-              <a:t>进度</a:t>
-            </a:r>
-            <a:r>
-              <a:rPr lang="en-US" altLang="zh-CN">
-                <a:sym typeface="+mn-ea"/>
-              </a:rPr>
-              <a:t>: %</a:t>
-            </a:r>
-          </a:p>
-        </p:txBody>
-      </p:sp>
     </p:spTree>
     <p:custDataLst>
       <p:tags r:id="rId1"/>
@@ -4829,7 +4438,7 @@
         </p:blipFill>
         <p:spPr>
           <a:xfrm>
-            <a:off x="0" y="106680"/>
+            <a:off x="1720645" y="322897"/>
             <a:ext cx="8411210" cy="3420745"/>
           </a:xfrm>
           <a:prstGeom prst="rect">
@@ -4853,7 +4462,7 @@
         </p:blipFill>
         <p:spPr>
           <a:xfrm>
-            <a:off x="211455" y="3429000"/>
+            <a:off x="1720645" y="4196397"/>
             <a:ext cx="8147685" cy="629285"/>
           </a:xfrm>
           <a:prstGeom prst="rect">
@@ -4861,55 +4470,6 @@
           </a:prstGeom>
         </p:spPr>
       </p:pic>
-      <p:sp>
-        <p:nvSpPr>
-          <p:cNvPr id="6" name="文本框 5"/>
-          <p:cNvSpPr txBox="1"/>
-          <p:nvPr/>
-        </p:nvSpPr>
-        <p:spPr>
-          <a:xfrm>
-            <a:off x="211455" y="4326890"/>
-            <a:ext cx="6096000" cy="368300"/>
-          </a:xfrm>
-          <a:prstGeom prst="rect">
-            <a:avLst/>
-          </a:prstGeom>
-          <a:noFill/>
-        </p:spPr>
-        <p:txBody>
-          <a:bodyPr wrap="square" rtlCol="0" anchor="t">
-            <a:spAutoFit/>
-          </a:bodyPr>
-          <a:lstStyle/>
-          <a:p>
-            <a:r>
-              <a:rPr lang="zh-CN" altLang="en-US">
-                <a:sym typeface="+mn-ea"/>
-              </a:rPr>
-              <a:t>计划时间</a:t>
-            </a:r>
-            <a:r>
-              <a:rPr lang="en-US" altLang="zh-CN">
-                <a:sym typeface="+mn-ea"/>
-              </a:rPr>
-              <a:t>:      </a:t>
-            </a:r>
-            <a:r>
-              <a:rPr lang="zh-CN" altLang="en-US">
-                <a:sym typeface="+mn-ea"/>
-              </a:rPr>
-              <a:t>进度</a:t>
-            </a:r>
-            <a:r>
-              <a:rPr lang="en-US" altLang="zh-CN">
-                <a:sym typeface="+mn-ea"/>
-              </a:rPr>
-              <a:t>: %</a:t>
-            </a:r>
-          </a:p>
-        </p:txBody>
-      </p:sp>
     </p:spTree>
     <p:custDataLst>
       <p:tags r:id="rId1"/>
@@ -4959,7 +4519,7 @@
         </p:blipFill>
         <p:spPr>
           <a:xfrm>
-            <a:off x="156845" y="339090"/>
+            <a:off x="1513696" y="870032"/>
             <a:ext cx="8965565" cy="3785870"/>
           </a:xfrm>
           <a:prstGeom prst="rect">
@@ -4967,55 +4527,6 @@
           </a:prstGeom>
         </p:spPr>
       </p:pic>
-      <p:sp>
-        <p:nvSpPr>
-          <p:cNvPr id="5" name="文本框 4"/>
-          <p:cNvSpPr txBox="1"/>
-          <p:nvPr/>
-        </p:nvSpPr>
-        <p:spPr>
-          <a:xfrm>
-            <a:off x="673100" y="4594225"/>
-            <a:ext cx="6096000" cy="368300"/>
-          </a:xfrm>
-          <a:prstGeom prst="rect">
-            <a:avLst/>
-          </a:prstGeom>
-          <a:noFill/>
-        </p:spPr>
-        <p:txBody>
-          <a:bodyPr wrap="square" rtlCol="0" anchor="t">
-            <a:spAutoFit/>
-          </a:bodyPr>
-          <a:lstStyle/>
-          <a:p>
-            <a:r>
-              <a:rPr lang="zh-CN" altLang="en-US">
-                <a:sym typeface="+mn-ea"/>
-              </a:rPr>
-              <a:t>计划时间</a:t>
-            </a:r>
-            <a:r>
-              <a:rPr lang="en-US" altLang="zh-CN">
-                <a:sym typeface="+mn-ea"/>
-              </a:rPr>
-              <a:t>:      </a:t>
-            </a:r>
-            <a:r>
-              <a:rPr lang="zh-CN" altLang="en-US">
-                <a:sym typeface="+mn-ea"/>
-              </a:rPr>
-              <a:t>进度</a:t>
-            </a:r>
-            <a:r>
-              <a:rPr lang="en-US" altLang="zh-CN">
-                <a:sym typeface="+mn-ea"/>
-              </a:rPr>
-              <a:t>: %</a:t>
-            </a:r>
-          </a:p>
-        </p:txBody>
-      </p:sp>
     </p:spTree>
     <p:custDataLst>
       <p:tags r:id="rId1"/>
@@ -5114,7 +4625,7 @@
         </p:nvSpPr>
         <p:spPr>
           <a:xfrm>
-            <a:off x="204470" y="435928"/>
+            <a:off x="3257386" y="962025"/>
             <a:ext cx="5080000" cy="521970"/>
           </a:xfrm>
           <a:prstGeom prst="rect">
@@ -5128,15 +4639,15 @@
           <a:lstStyle/>
           <a:p>
             <a:r>
-              <a:rPr lang="zh-CN" altLang="en-US" sz="2800" b="1"/>
+              <a:rPr lang="zh-CN" altLang="en-US" sz="2800" b="1" dirty="0"/>
               <a:t>当前迭代期</a:t>
             </a:r>
             <a:r>
-              <a:rPr lang="en-US" altLang="zh-CN" sz="2800" b="1"/>
+              <a:rPr lang="en-US" altLang="zh-CN" sz="2800" b="1" dirty="0"/>
               <a:t>:</a:t>
             </a:r>
             <a:r>
-              <a:rPr lang="en-US" altLang="zh-CN" sz="2800"/>
+              <a:rPr lang="en-US" altLang="zh-CN" sz="2800" dirty="0"/>
               <a:t>9.18-10.9</a:t>
             </a:r>
           </a:p>
@@ -5150,7 +4661,7 @@
         </p:nvSpPr>
         <p:spPr>
           <a:xfrm>
-            <a:off x="204470" y="962025"/>
+            <a:off x="3414703" y="2427032"/>
             <a:ext cx="4514850" cy="1814830"/>
           </a:xfrm>
           <a:prstGeom prst="rect">
@@ -5165,29 +4676,29 @@
           <a:lstStyle/>
           <a:p>
             <a:r>
-              <a:rPr lang="zh-CN" altLang="en-US" sz="2800" b="1"/>
+              <a:rPr lang="zh-CN" altLang="en-US" sz="2800" b="1" dirty="0"/>
               <a:t>当前迭代目标</a:t>
             </a:r>
             <a:r>
-              <a:rPr lang="en-US" altLang="zh-CN" sz="2800" b="1"/>
+              <a:rPr lang="en-US" altLang="zh-CN" sz="2800" b="1" dirty="0"/>
               <a:t>:</a:t>
             </a:r>
           </a:p>
           <a:p>
             <a:r>
-              <a:rPr lang="zh-CN" altLang="en-US" sz="2800"/>
+              <a:rPr lang="zh-CN" altLang="en-US" sz="2800" dirty="0"/>
               <a:t>明确原始需求</a:t>
             </a:r>
           </a:p>
           <a:p>
             <a:r>
-              <a:rPr lang="zh-CN" altLang="en-US" sz="2800"/>
+              <a:rPr lang="zh-CN" altLang="en-US" sz="2800" dirty="0"/>
               <a:t>划分子系统</a:t>
             </a:r>
           </a:p>
           <a:p>
             <a:r>
-              <a:rPr lang="zh-CN" altLang="en-US" sz="2800"/>
+              <a:rPr lang="zh-CN" altLang="en-US" sz="2800" dirty="0"/>
               <a:t>明确分工</a:t>
             </a:r>
           </a:p>
@@ -6490,14 +6001,6 @@
 </file>
 
 <file path=ppt/tags/tag77.xml><?xml version="1.0" encoding="utf-8"?>
-<p:tagLst xmlns:a="http://schemas.openxmlformats.org/drawingml/2006/main" xmlns:r="http://schemas.openxmlformats.org/officeDocument/2006/relationships" xmlns:p="http://schemas.openxmlformats.org/presentationml/2006/main">
-  <p:tag name="KSO_WM_BEAUTIFY_FLAG" val="#wm#"/>
-  <p:tag name="KSO_WM_TEMPLATE_CATEGORY" val="custom"/>
-  <p:tag name="KSO_WM_TEMPLATE_INDEX" val="20205081"/>
-</p:tagLst>
-</file>
-
-<file path=ppt/tags/tag78.xml><?xml version="1.0" encoding="utf-8"?>
 <p:tagLst xmlns:a="http://schemas.openxmlformats.org/drawingml/2006/main" xmlns:r="http://schemas.openxmlformats.org/officeDocument/2006/relationships" xmlns:p="http://schemas.openxmlformats.org/presentationml/2006/main">
   <p:tag name="KSO_WM_BEAUTIFY_FLAG" val="#wm#"/>
   <p:tag name="KSO_WM_TEMPLATE_CATEGORY" val="custom"/>
